--- a/doc/tex/lib/homodyne_receiver/figures_raw/MQAM_receiver_block_diagram.pptx
+++ b/doc/tex/lib/homodyne_receiver/figures_raw/MQAM_receiver_block_diagram.pptx
@@ -263,7 +263,7 @@
           <a:p>
             <a:fld id="{1FB34746-79CB-4371-B89F-4BC9AAAE441B}" type="datetimeFigureOut">
               <a:rPr lang="pt-PT" smtClean="0"/>
-              <a:t>10-12-2017</a:t>
+              <a:t>26-12-2017</a:t>
             </a:fld>
             <a:endParaRPr lang="pt-PT"/>
           </a:p>
@@ -461,7 +461,7 @@
           <a:p>
             <a:fld id="{1FB34746-79CB-4371-B89F-4BC9AAAE441B}" type="datetimeFigureOut">
               <a:rPr lang="pt-PT" smtClean="0"/>
-              <a:t>10-12-2017</a:t>
+              <a:t>26-12-2017</a:t>
             </a:fld>
             <a:endParaRPr lang="pt-PT"/>
           </a:p>
@@ -669,7 +669,7 @@
           <a:p>
             <a:fld id="{1FB34746-79CB-4371-B89F-4BC9AAAE441B}" type="datetimeFigureOut">
               <a:rPr lang="pt-PT" smtClean="0"/>
-              <a:t>10-12-2017</a:t>
+              <a:t>26-12-2017</a:t>
             </a:fld>
             <a:endParaRPr lang="pt-PT"/>
           </a:p>
@@ -867,7 +867,7 @@
           <a:p>
             <a:fld id="{1FB34746-79CB-4371-B89F-4BC9AAAE441B}" type="datetimeFigureOut">
               <a:rPr lang="pt-PT" smtClean="0"/>
-              <a:t>10-12-2017</a:t>
+              <a:t>26-12-2017</a:t>
             </a:fld>
             <a:endParaRPr lang="pt-PT"/>
           </a:p>
@@ -1142,7 +1142,7 @@
           <a:p>
             <a:fld id="{1FB34746-79CB-4371-B89F-4BC9AAAE441B}" type="datetimeFigureOut">
               <a:rPr lang="pt-PT" smtClean="0"/>
-              <a:t>10-12-2017</a:t>
+              <a:t>26-12-2017</a:t>
             </a:fld>
             <a:endParaRPr lang="pt-PT"/>
           </a:p>
@@ -1407,7 +1407,7 @@
           <a:p>
             <a:fld id="{1FB34746-79CB-4371-B89F-4BC9AAAE441B}" type="datetimeFigureOut">
               <a:rPr lang="pt-PT" smtClean="0"/>
-              <a:t>10-12-2017</a:t>
+              <a:t>26-12-2017</a:t>
             </a:fld>
             <a:endParaRPr lang="pt-PT"/>
           </a:p>
@@ -1819,7 +1819,7 @@
           <a:p>
             <a:fld id="{1FB34746-79CB-4371-B89F-4BC9AAAE441B}" type="datetimeFigureOut">
               <a:rPr lang="pt-PT" smtClean="0"/>
-              <a:t>10-12-2017</a:t>
+              <a:t>26-12-2017</a:t>
             </a:fld>
             <a:endParaRPr lang="pt-PT"/>
           </a:p>
@@ -1960,7 +1960,7 @@
           <a:p>
             <a:fld id="{1FB34746-79CB-4371-B89F-4BC9AAAE441B}" type="datetimeFigureOut">
               <a:rPr lang="pt-PT" smtClean="0"/>
-              <a:t>10-12-2017</a:t>
+              <a:t>26-12-2017</a:t>
             </a:fld>
             <a:endParaRPr lang="pt-PT"/>
           </a:p>
@@ -2073,7 +2073,7 @@
           <a:p>
             <a:fld id="{1FB34746-79CB-4371-B89F-4BC9AAAE441B}" type="datetimeFigureOut">
               <a:rPr lang="pt-PT" smtClean="0"/>
-              <a:t>10-12-2017</a:t>
+              <a:t>26-12-2017</a:t>
             </a:fld>
             <a:endParaRPr lang="pt-PT"/>
           </a:p>
@@ -2384,7 +2384,7 @@
           <a:p>
             <a:fld id="{1FB34746-79CB-4371-B89F-4BC9AAAE441B}" type="datetimeFigureOut">
               <a:rPr lang="pt-PT" smtClean="0"/>
-              <a:t>10-12-2017</a:t>
+              <a:t>26-12-2017</a:t>
             </a:fld>
             <a:endParaRPr lang="pt-PT"/>
           </a:p>
@@ -2672,7 +2672,7 @@
           <a:p>
             <a:fld id="{1FB34746-79CB-4371-B89F-4BC9AAAE441B}" type="datetimeFigureOut">
               <a:rPr lang="pt-PT" smtClean="0"/>
-              <a:t>10-12-2017</a:t>
+              <a:t>26-12-2017</a:t>
             </a:fld>
             <a:endParaRPr lang="pt-PT"/>
           </a:p>
@@ -2913,7 +2913,7 @@
           <a:p>
             <a:fld id="{1FB34746-79CB-4371-B89F-4BC9AAAE441B}" type="datetimeFigureOut">
               <a:rPr lang="pt-PT" smtClean="0"/>
-              <a:t>10-12-2017</a:t>
+              <a:t>26-12-2017</a:t>
             </a:fld>
             <a:endParaRPr lang="pt-PT"/>
           </a:p>
@@ -3332,10 +3332,10 @@
       </p:grpSpPr>
       <p:grpSp>
         <p:nvGrpSpPr>
-          <p:cNvPr id="4" name="Grupo 3">
+          <p:cNvPr id="34" name="Grupo 33">
             <a:extLst>
               <a:ext uri="{FF2B5EF4-FFF2-40B4-BE49-F238E27FC236}">
-                <a16:creationId xmlns:a16="http://schemas.microsoft.com/office/drawing/2014/main" id="{8FDFBBE1-8F08-46BA-8AE9-F50F0C0D4A1F}"/>
+                <a16:creationId xmlns:a16="http://schemas.microsoft.com/office/drawing/2014/main" id="{4962DA44-FF20-495D-830B-AA8562B7EDEC}"/>
               </a:ext>
             </a:extLst>
           </p:cNvPr>
@@ -3344,10 +3344,10 @@
         </p:nvGrpSpPr>
         <p:grpSpPr>
           <a:xfrm>
-            <a:off x="-3353949" y="400627"/>
-            <a:ext cx="19058305" cy="5553896"/>
-            <a:chOff x="-3353949" y="400627"/>
-            <a:chExt cx="19058305" cy="5553896"/>
+            <a:off x="-2726152" y="600668"/>
+            <a:ext cx="18983529" cy="5426126"/>
+            <a:chOff x="-3040050" y="491486"/>
+            <a:chExt cx="18983529" cy="5426126"/>
           </a:xfrm>
         </p:grpSpPr>
         <p:sp>
@@ -3364,7 +3364,7 @@
           </p:nvSpPr>
           <p:spPr>
             <a:xfrm>
-              <a:off x="13655156" y="2746268"/>
+              <a:off x="13894279" y="2878664"/>
               <a:ext cx="2049200" cy="646331"/>
             </a:xfrm>
             <a:prstGeom prst="rect">
@@ -3410,12 +3410,193 @@
             </a:p>
           </p:txBody>
         </p:sp>
+        <p:sp>
+          <p:nvSpPr>
+            <p:cNvPr id="10" name="Rectangle 9">
+              <a:extLst>
+                <a:ext uri="{FF2B5EF4-FFF2-40B4-BE49-F238E27FC236}">
+                  <a16:creationId xmlns:a16="http://schemas.microsoft.com/office/drawing/2014/main" id="{1625055A-1F10-45C1-870C-B17DB8A82818}"/>
+                </a:ext>
+              </a:extLst>
+            </p:cNvPr>
+            <p:cNvSpPr/>
+            <p:nvPr/>
+          </p:nvSpPr>
+          <p:spPr>
+            <a:xfrm>
+              <a:off x="11977076" y="2052761"/>
+              <a:ext cx="1208155" cy="2265313"/>
+            </a:xfrm>
+            <a:prstGeom prst="rect">
+              <a:avLst/>
+            </a:prstGeom>
+            <a:noFill/>
+            <a:ln w="25400">
+              <a:solidFill>
+                <a:schemeClr val="tx1"/>
+              </a:solidFill>
+            </a:ln>
+          </p:spPr>
+          <p:style>
+            <a:lnRef idx="2">
+              <a:schemeClr val="accent1">
+                <a:shade val="50000"/>
+              </a:schemeClr>
+            </a:lnRef>
+            <a:fillRef idx="1">
+              <a:schemeClr val="accent1"/>
+            </a:fillRef>
+            <a:effectRef idx="0">
+              <a:schemeClr val="accent1"/>
+            </a:effectRef>
+            <a:fontRef idx="minor">
+              <a:schemeClr val="lt1"/>
+            </a:fontRef>
+          </p:style>
+          <p:txBody>
+            <a:bodyPr rtlCol="0" anchor="ctr"/>
+            <a:lstStyle/>
+            <a:p>
+              <a:pPr algn="ctr"/>
+              <a:r>
+                <a:rPr lang="pt-PT" dirty="0" err="1">
+                  <a:solidFill>
+                    <a:schemeClr val="tx1"/>
+                  </a:solidFill>
+                </a:rPr>
+                <a:t>Decoder</a:t>
+              </a:r>
+              <a:endParaRPr lang="pt-PT" dirty="0">
+                <a:solidFill>
+                  <a:schemeClr val="tx1"/>
+                </a:solidFill>
+              </a:endParaRPr>
+            </a:p>
+          </p:txBody>
+        </p:sp>
+        <p:cxnSp>
+          <p:nvCxnSpPr>
+            <p:cNvPr id="51" name="Conexão reta unidirecional 50">
+              <a:extLst>
+                <a:ext uri="{FF2B5EF4-FFF2-40B4-BE49-F238E27FC236}">
+                  <a16:creationId xmlns:a16="http://schemas.microsoft.com/office/drawing/2014/main" id="{21F2DEC5-94E0-482A-830E-1F5FF6209AF4}"/>
+                </a:ext>
+              </a:extLst>
+            </p:cNvPr>
+            <p:cNvCxnSpPr>
+              <a:cxnSpLocks/>
+              <a:stCxn id="10" idx="3"/>
+            </p:cNvCxnSpPr>
+            <p:nvPr/>
+          </p:nvCxnSpPr>
+          <p:spPr>
+            <a:xfrm flipV="1">
+              <a:off x="13185231" y="3185013"/>
+              <a:ext cx="1017307" cy="405"/>
+            </a:xfrm>
+            <a:prstGeom prst="straightConnector1">
+              <a:avLst/>
+            </a:prstGeom>
+            <a:ln w="19050">
+              <a:solidFill>
+                <a:schemeClr val="tx1"/>
+              </a:solidFill>
+              <a:tailEnd type="triangle"/>
+            </a:ln>
+          </p:spPr>
+          <p:style>
+            <a:lnRef idx="1">
+              <a:schemeClr val="accent1"/>
+            </a:lnRef>
+            <a:fillRef idx="0">
+              <a:schemeClr val="accent1"/>
+            </a:fillRef>
+            <a:effectRef idx="0">
+              <a:schemeClr val="accent1"/>
+            </a:effectRef>
+            <a:fontRef idx="minor">
+              <a:schemeClr val="tx1"/>
+            </a:fontRef>
+          </p:style>
+        </p:cxnSp>
+        <p:sp>
+          <p:nvSpPr>
+            <p:cNvPr id="52" name="TextBox 67">
+              <a:extLst>
+                <a:ext uri="{FF2B5EF4-FFF2-40B4-BE49-F238E27FC236}">
+                  <a16:creationId xmlns:a16="http://schemas.microsoft.com/office/drawing/2014/main" id="{BB5E18FC-1C95-4A1A-BDCB-C90C36F84B4E}"/>
+                </a:ext>
+              </a:extLst>
+            </p:cNvPr>
+            <p:cNvSpPr txBox="1"/>
+            <p:nvPr/>
+          </p:nvSpPr>
+          <p:spPr>
+            <a:xfrm>
+              <a:off x="13228215" y="2792800"/>
+              <a:ext cx="931338" cy="369332"/>
+            </a:xfrm>
+            <a:prstGeom prst="rect">
+              <a:avLst/>
+            </a:prstGeom>
+            <a:noFill/>
+          </p:spPr>
+          <p:txBody>
+            <a:bodyPr wrap="square" rtlCol="0">
+              <a:spAutoFit/>
+            </a:bodyPr>
+            <a:lstStyle/>
+            <a:p>
+              <a:pPr algn="ctr"/>
+              <a:r>
+                <a:rPr lang="pt-PT" dirty="0"/>
+                <a:t>HMD18</a:t>
+              </a:r>
+            </a:p>
+          </p:txBody>
+        </p:sp>
+        <p:sp>
+          <p:nvSpPr>
+            <p:cNvPr id="64" name="TextBox 31">
+              <a:extLst>
+                <a:ext uri="{FF2B5EF4-FFF2-40B4-BE49-F238E27FC236}">
+                  <a16:creationId xmlns:a16="http://schemas.microsoft.com/office/drawing/2014/main" id="{7CE9CFB4-9784-493B-B276-8C32EC8F72D4}"/>
+                </a:ext>
+              </a:extLst>
+            </p:cNvPr>
+            <p:cNvSpPr txBox="1"/>
+            <p:nvPr/>
+          </p:nvSpPr>
+          <p:spPr>
+            <a:xfrm>
+              <a:off x="12292877" y="1666948"/>
+              <a:ext cx="599801" cy="369332"/>
+            </a:xfrm>
+            <a:prstGeom prst="rect">
+              <a:avLst/>
+            </a:prstGeom>
+            <a:noFill/>
+          </p:spPr>
+          <p:txBody>
+            <a:bodyPr wrap="square" rtlCol="0">
+              <a:spAutoFit/>
+            </a:bodyPr>
+            <a:lstStyle/>
+            <a:p>
+              <a:pPr algn="ctr"/>
+              <a:r>
+                <a:rPr lang="pt-PT" b="1" dirty="0"/>
+                <a:t>B15</a:t>
+              </a:r>
+            </a:p>
+          </p:txBody>
+        </p:sp>
         <p:grpSp>
           <p:nvGrpSpPr>
-            <p:cNvPr id="3" name="Grupo 2">
+            <p:cNvPr id="33" name="Grupo 32">
               <a:extLst>
                 <a:ext uri="{FF2B5EF4-FFF2-40B4-BE49-F238E27FC236}">
-                  <a16:creationId xmlns:a16="http://schemas.microsoft.com/office/drawing/2014/main" id="{34F3D822-A019-403F-B1E2-6977D226172F}"/>
+                  <a16:creationId xmlns:a16="http://schemas.microsoft.com/office/drawing/2014/main" id="{7299828F-53F4-428A-8BD1-FC5ACA98011F}"/>
                 </a:ext>
               </a:extLst>
             </p:cNvPr>
@@ -3424,10 +3605,10 @@
           </p:nvGrpSpPr>
           <p:grpSpPr>
             <a:xfrm>
-              <a:off x="-3353949" y="400627"/>
-              <a:ext cx="17242588" cy="5553896"/>
-              <a:chOff x="-3353949" y="400627"/>
-              <a:chExt cx="17242588" cy="5553896"/>
+              <a:off x="-3040050" y="491486"/>
+              <a:ext cx="15047306" cy="5426126"/>
+              <a:chOff x="-3040050" y="491486"/>
+              <a:chExt cx="15047306" cy="5426126"/>
             </a:xfrm>
           </p:grpSpPr>
           <p:sp>
@@ -3444,7 +3625,7 @@
             </p:nvSpPr>
             <p:spPr>
               <a:xfrm>
-                <a:off x="-2553667" y="3177575"/>
+                <a:off x="-2239768" y="3245814"/>
                 <a:ext cx="448063" cy="371505"/>
               </a:xfrm>
               <a:prstGeom prst="rect">
@@ -3480,7 +3661,7 @@
             </p:nvSpPr>
             <p:spPr>
               <a:xfrm>
-                <a:off x="-3353949" y="3616785"/>
+                <a:off x="-3040050" y="3685024"/>
                 <a:ext cx="1139464" cy="785612"/>
               </a:xfrm>
               <a:prstGeom prst="rect">
@@ -3552,7 +3733,7 @@
             </p:nvSpPr>
             <p:spPr>
               <a:xfrm>
-                <a:off x="-1204875" y="1912108"/>
+                <a:off x="-890976" y="1980347"/>
                 <a:ext cx="1234501" cy="2490289"/>
               </a:xfrm>
               <a:prstGeom prst="rect">
@@ -3632,7 +3813,7 @@
             </p:nvSpPr>
             <p:spPr>
               <a:xfrm>
-                <a:off x="3206944" y="2024597"/>
+                <a:off x="3520843" y="2092836"/>
                 <a:ext cx="1097344" cy="785612"/>
               </a:xfrm>
               <a:prstGeom prst="rect">
@@ -3704,7 +3885,7 @@
             </p:nvSpPr>
             <p:spPr>
               <a:xfrm>
-                <a:off x="3231190" y="3504299"/>
+                <a:off x="3545089" y="3572538"/>
                 <a:ext cx="1097344" cy="785612"/>
               </a:xfrm>
               <a:prstGeom prst="rect">
@@ -3764,70 +3945,6 @@
           </p:sp>
           <p:sp>
             <p:nvSpPr>
-              <p:cNvPr id="10" name="Rectangle 9">
-                <a:extLst>
-                  <a:ext uri="{FF2B5EF4-FFF2-40B4-BE49-F238E27FC236}">
-                    <a16:creationId xmlns:a16="http://schemas.microsoft.com/office/drawing/2014/main" id="{1625055A-1F10-45C1-870C-B17DB8A82818}"/>
-                  </a:ext>
-                </a:extLst>
-              </p:cNvPr>
-              <p:cNvSpPr/>
-              <p:nvPr/>
-            </p:nvSpPr>
-            <p:spPr>
-              <a:xfrm>
-                <a:off x="11663177" y="1984522"/>
-                <a:ext cx="1208155" cy="2265313"/>
-              </a:xfrm>
-              <a:prstGeom prst="rect">
-                <a:avLst/>
-              </a:prstGeom>
-              <a:noFill/>
-              <a:ln w="25400">
-                <a:solidFill>
-                  <a:schemeClr val="tx1"/>
-                </a:solidFill>
-              </a:ln>
-            </p:spPr>
-            <p:style>
-              <a:lnRef idx="2">
-                <a:schemeClr val="accent1">
-                  <a:shade val="50000"/>
-                </a:schemeClr>
-              </a:lnRef>
-              <a:fillRef idx="1">
-                <a:schemeClr val="accent1"/>
-              </a:fillRef>
-              <a:effectRef idx="0">
-                <a:schemeClr val="accent1"/>
-              </a:effectRef>
-              <a:fontRef idx="minor">
-                <a:schemeClr val="lt1"/>
-              </a:fontRef>
-            </p:style>
-            <p:txBody>
-              <a:bodyPr rtlCol="0" anchor="ctr"/>
-              <a:lstStyle/>
-              <a:p>
-                <a:pPr algn="ctr"/>
-                <a:r>
-                  <a:rPr lang="pt-PT" dirty="0" err="1">
-                    <a:solidFill>
-                      <a:schemeClr val="tx1"/>
-                    </a:solidFill>
-                  </a:rPr>
-                  <a:t>Decoder</a:t>
-                </a:r>
-                <a:endParaRPr lang="pt-PT" dirty="0">
-                  <a:solidFill>
-                    <a:schemeClr val="tx1"/>
-                  </a:solidFill>
-                </a:endParaRPr>
-              </a:p>
-            </p:txBody>
-          </p:sp>
-          <p:sp>
-            <p:nvSpPr>
               <p:cNvPr id="11" name="Rectangle 7">
                 <a:extLst>
                   <a:ext uri="{FF2B5EF4-FFF2-40B4-BE49-F238E27FC236}">
@@ -3840,7 +3957,7 @@
             </p:nvSpPr>
             <p:spPr>
               <a:xfrm>
-                <a:off x="937821" y="1790375"/>
+                <a:off x="1251720" y="1858614"/>
                 <a:ext cx="1362365" cy="1254058"/>
               </a:xfrm>
               <a:prstGeom prst="rect">
@@ -3904,7 +4021,7 @@
             </p:nvSpPr>
             <p:spPr>
               <a:xfrm>
-                <a:off x="949944" y="3270076"/>
+                <a:off x="1263843" y="3338315"/>
                 <a:ext cx="1362365" cy="1254058"/>
               </a:xfrm>
               <a:prstGeom prst="rect">
@@ -3968,7 +4085,7 @@
             </p:nvSpPr>
             <p:spPr>
               <a:xfrm>
-                <a:off x="7631024" y="2024597"/>
+                <a:off x="7944923" y="2092836"/>
                 <a:ext cx="1097344" cy="785612"/>
               </a:xfrm>
               <a:prstGeom prst="rect">
@@ -4040,7 +4157,7 @@
             </p:nvSpPr>
             <p:spPr>
               <a:xfrm>
-                <a:off x="7669290" y="3504298"/>
+                <a:off x="7983189" y="3572537"/>
                 <a:ext cx="1097344" cy="785612"/>
               </a:xfrm>
               <a:prstGeom prst="rect">
@@ -4112,7 +4229,7 @@
             </p:nvSpPr>
             <p:spPr>
               <a:xfrm>
-                <a:off x="9614047" y="2024597"/>
+                <a:off x="9927946" y="2092836"/>
                 <a:ext cx="1097344" cy="785612"/>
               </a:xfrm>
               <a:prstGeom prst="rect">
@@ -4171,7 +4288,7 @@
             </p:nvSpPr>
             <p:spPr>
               <a:xfrm>
-                <a:off x="9650347" y="3504298"/>
+                <a:off x="9964246" y="3572537"/>
                 <a:ext cx="1097344" cy="785612"/>
               </a:xfrm>
               <a:prstGeom prst="rect">
@@ -4233,7 +4350,7 @@
             </p:nvCxnSpPr>
             <p:spPr>
               <a:xfrm>
-                <a:off x="-2214485" y="4009591"/>
+                <a:off x="-1900586" y="4077830"/>
                 <a:ext cx="1009610" cy="0"/>
               </a:xfrm>
               <a:prstGeom prst="line">
@@ -4274,7 +4391,7 @@
             </p:nvCxnSpPr>
             <p:spPr>
               <a:xfrm>
-                <a:off x="11776" y="2024597"/>
+                <a:off x="325675" y="2092836"/>
                 <a:ext cx="926045" cy="0"/>
               </a:xfrm>
               <a:prstGeom prst="line">
@@ -4315,7 +4432,7 @@
             </p:nvCxnSpPr>
             <p:spPr>
               <a:xfrm>
-                <a:off x="11776" y="2810210"/>
+                <a:off x="325675" y="2878449"/>
                 <a:ext cx="926045" cy="0"/>
               </a:xfrm>
               <a:prstGeom prst="line">
@@ -4356,7 +4473,7 @@
             </p:nvCxnSpPr>
             <p:spPr>
               <a:xfrm>
-                <a:off x="23899" y="3493675"/>
+                <a:off x="337798" y="3561914"/>
                 <a:ext cx="926045" cy="0"/>
               </a:xfrm>
               <a:prstGeom prst="line">
@@ -4397,7 +4514,7 @@
             </p:nvCxnSpPr>
             <p:spPr>
               <a:xfrm>
-                <a:off x="23899" y="4279288"/>
+                <a:off x="337798" y="4347527"/>
                 <a:ext cx="926045" cy="0"/>
               </a:xfrm>
               <a:prstGeom prst="line">
@@ -4441,7 +4558,7 @@
             </p:nvCxnSpPr>
             <p:spPr>
               <a:xfrm flipV="1">
-                <a:off x="2300186" y="2417403"/>
+                <a:off x="2614085" y="2485642"/>
                 <a:ext cx="906758" cy="1"/>
               </a:xfrm>
               <a:prstGeom prst="line">
@@ -4485,7 +4602,7 @@
             </p:nvCxnSpPr>
             <p:spPr>
               <a:xfrm>
-                <a:off x="2312309" y="3897105"/>
+                <a:off x="2626208" y="3965344"/>
                 <a:ext cx="918881" cy="0"/>
               </a:xfrm>
               <a:prstGeom prst="line">
@@ -4529,7 +4646,7 @@
             </p:nvCxnSpPr>
             <p:spPr>
               <a:xfrm>
-                <a:off x="8728368" y="2417403"/>
+                <a:off x="9042267" y="2485642"/>
                 <a:ext cx="885679" cy="0"/>
               </a:xfrm>
               <a:prstGeom prst="line">
@@ -4573,7 +4690,7 @@
             </p:nvCxnSpPr>
             <p:spPr>
               <a:xfrm>
-                <a:off x="8766634" y="3897104"/>
+                <a:off x="9080533" y="3965343"/>
                 <a:ext cx="883713" cy="0"/>
               </a:xfrm>
               <a:prstGeom prst="line">
@@ -4617,7 +4734,7 @@
             </p:nvCxnSpPr>
             <p:spPr>
               <a:xfrm flipV="1">
-                <a:off x="10711391" y="2417402"/>
+                <a:off x="11025290" y="2485641"/>
                 <a:ext cx="931524" cy="1"/>
               </a:xfrm>
               <a:prstGeom prst="line">
@@ -4658,7 +4775,7 @@
             </p:nvSpPr>
             <p:spPr>
               <a:xfrm>
-                <a:off x="-3154901" y="2232738"/>
+                <a:off x="-2841002" y="2300977"/>
                 <a:ext cx="1364517" cy="369332"/>
               </a:xfrm>
               <a:prstGeom prst="rect">
@@ -4701,7 +4818,7 @@
             </p:nvCxnSpPr>
             <p:spPr>
               <a:xfrm>
-                <a:off x="-1790384" y="2417404"/>
+                <a:off x="-1476485" y="2485643"/>
                 <a:ext cx="585509" cy="0"/>
               </a:xfrm>
               <a:prstGeom prst="line">
@@ -4742,7 +4859,7 @@
             </p:nvSpPr>
             <p:spPr>
               <a:xfrm>
-                <a:off x="-2175349" y="3616785"/>
+                <a:off x="-1861450" y="3685024"/>
                 <a:ext cx="931338" cy="369332"/>
               </a:xfrm>
               <a:prstGeom prst="rect">
@@ -4778,7 +4895,7 @@
             </p:nvSpPr>
             <p:spPr>
               <a:xfrm>
-                <a:off x="21252" y="2442862"/>
+                <a:off x="335151" y="2511101"/>
                 <a:ext cx="931338" cy="369332"/>
               </a:xfrm>
               <a:prstGeom prst="rect">
@@ -4814,7 +4931,7 @@
             </p:nvSpPr>
             <p:spPr>
               <a:xfrm>
-                <a:off x="28366" y="3897104"/>
+                <a:off x="342265" y="3965343"/>
                 <a:ext cx="931338" cy="369332"/>
               </a:xfrm>
               <a:prstGeom prst="rect">
@@ -4850,7 +4967,7 @@
             </p:nvSpPr>
             <p:spPr>
               <a:xfrm>
-                <a:off x="31063" y="3117179"/>
+                <a:off x="344962" y="3185418"/>
                 <a:ext cx="931338" cy="369332"/>
               </a:xfrm>
               <a:prstGeom prst="rect">
@@ -4886,7 +5003,7 @@
             </p:nvSpPr>
             <p:spPr>
               <a:xfrm>
-                <a:off x="31063" y="1615310"/>
+                <a:off x="344962" y="1683549"/>
                 <a:ext cx="931338" cy="369332"/>
               </a:xfrm>
               <a:prstGeom prst="rect">
@@ -4922,7 +5039,7 @@
             </p:nvSpPr>
             <p:spPr>
               <a:xfrm>
-                <a:off x="2287896" y="3542052"/>
+                <a:off x="2601795" y="3610291"/>
                 <a:ext cx="931338" cy="369332"/>
               </a:xfrm>
               <a:prstGeom prst="rect">
@@ -4958,7 +5075,7 @@
             </p:nvSpPr>
             <p:spPr>
               <a:xfrm>
-                <a:off x="2287896" y="2073530"/>
+                <a:off x="2601795" y="2141769"/>
                 <a:ext cx="931338" cy="369332"/>
               </a:xfrm>
               <a:prstGeom prst="rect">
@@ -4994,7 +5111,7 @@
             </p:nvSpPr>
             <p:spPr>
               <a:xfrm>
-                <a:off x="4344126" y="3516036"/>
+                <a:off x="4658025" y="3584275"/>
                 <a:ext cx="931338" cy="369332"/>
               </a:xfrm>
               <a:prstGeom prst="rect">
@@ -5030,7 +5147,7 @@
             </p:nvSpPr>
             <p:spPr>
               <a:xfrm>
-                <a:off x="4344126" y="2455654"/>
+                <a:off x="4658025" y="2523893"/>
                 <a:ext cx="931338" cy="369332"/>
               </a:xfrm>
               <a:prstGeom prst="rect">
@@ -5066,7 +5183,7 @@
             </p:nvSpPr>
             <p:spPr>
               <a:xfrm>
-                <a:off x="8725064" y="2056929"/>
+                <a:off x="9038963" y="2125168"/>
                 <a:ext cx="931338" cy="369332"/>
               </a:xfrm>
               <a:prstGeom prst="rect">
@@ -5102,7 +5219,7 @@
             </p:nvSpPr>
             <p:spPr>
               <a:xfrm>
-                <a:off x="8769387" y="3552679"/>
+                <a:off x="9083286" y="3620918"/>
                 <a:ext cx="931338" cy="369332"/>
               </a:xfrm>
               <a:prstGeom prst="rect">
@@ -5140,7 +5257,7 @@
             </p:nvCxnSpPr>
             <p:spPr>
               <a:xfrm flipV="1">
-                <a:off x="10747691" y="3868766"/>
+                <a:off x="11061590" y="3937005"/>
                 <a:ext cx="931524" cy="1"/>
               </a:xfrm>
               <a:prstGeom prst="line">
@@ -5181,7 +5298,7 @@
             </p:nvSpPr>
             <p:spPr>
               <a:xfrm>
-                <a:off x="10762019" y="3493566"/>
+                <a:off x="11075918" y="3561805"/>
                 <a:ext cx="931338" cy="369332"/>
               </a:xfrm>
               <a:prstGeom prst="rect">
@@ -5217,7 +5334,7 @@
             </p:nvSpPr>
             <p:spPr>
               <a:xfrm>
-                <a:off x="10731839" y="2056929"/>
+                <a:off x="11045738" y="2125168"/>
                 <a:ext cx="931338" cy="369332"/>
               </a:xfrm>
               <a:prstGeom prst="rect">
@@ -5239,87 +5356,6 @@
               </a:p>
             </p:txBody>
           </p:sp>
-          <p:cxnSp>
-            <p:nvCxnSpPr>
-              <p:cNvPr id="51" name="Conexão reta unidirecional 50">
-                <a:extLst>
-                  <a:ext uri="{FF2B5EF4-FFF2-40B4-BE49-F238E27FC236}">
-                    <a16:creationId xmlns:a16="http://schemas.microsoft.com/office/drawing/2014/main" id="{21F2DEC5-94E0-482A-830E-1F5FF6209AF4}"/>
-                  </a:ext>
-                </a:extLst>
-              </p:cNvPr>
-              <p:cNvCxnSpPr>
-                <a:cxnSpLocks/>
-                <a:stCxn id="10" idx="3"/>
-              </p:cNvCxnSpPr>
-              <p:nvPr/>
-            </p:nvCxnSpPr>
-            <p:spPr>
-              <a:xfrm flipV="1">
-                <a:off x="12871332" y="3116774"/>
-                <a:ext cx="1017307" cy="405"/>
-              </a:xfrm>
-              <a:prstGeom prst="straightConnector1">
-                <a:avLst/>
-              </a:prstGeom>
-              <a:ln w="19050">
-                <a:solidFill>
-                  <a:schemeClr val="tx1"/>
-                </a:solidFill>
-                <a:tailEnd type="triangle"/>
-              </a:ln>
-            </p:spPr>
-            <p:style>
-              <a:lnRef idx="1">
-                <a:schemeClr val="accent1"/>
-              </a:lnRef>
-              <a:fillRef idx="0">
-                <a:schemeClr val="accent1"/>
-              </a:fillRef>
-              <a:effectRef idx="0">
-                <a:schemeClr val="accent1"/>
-              </a:effectRef>
-              <a:fontRef idx="minor">
-                <a:schemeClr val="tx1"/>
-              </a:fontRef>
-            </p:style>
-          </p:cxnSp>
-          <p:sp>
-            <p:nvSpPr>
-              <p:cNvPr id="52" name="TextBox 67">
-                <a:extLst>
-                  <a:ext uri="{FF2B5EF4-FFF2-40B4-BE49-F238E27FC236}">
-                    <a16:creationId xmlns:a16="http://schemas.microsoft.com/office/drawing/2014/main" id="{BB5E18FC-1C95-4A1A-BDCB-C90C36F84B4E}"/>
-                  </a:ext>
-                </a:extLst>
-              </p:cNvPr>
-              <p:cNvSpPr txBox="1"/>
-              <p:nvPr/>
-            </p:nvSpPr>
-            <p:spPr>
-              <a:xfrm>
-                <a:off x="12914316" y="2724561"/>
-                <a:ext cx="931338" cy="369332"/>
-              </a:xfrm>
-              <a:prstGeom prst="rect">
-                <a:avLst/>
-              </a:prstGeom>
-              <a:noFill/>
-            </p:spPr>
-            <p:txBody>
-              <a:bodyPr wrap="square" rtlCol="0">
-                <a:spAutoFit/>
-              </a:bodyPr>
-              <a:lstStyle/>
-              <a:p>
-                <a:pPr algn="ctr"/>
-                <a:r>
-                  <a:rPr lang="pt-PT" dirty="0"/>
-                  <a:t>HMD18</a:t>
-                </a:r>
-              </a:p>
-            </p:txBody>
-          </p:sp>
           <p:sp>
             <p:nvSpPr>
               <p:cNvPr id="54" name="TextBox 31">
@@ -5334,7 +5370,7 @@
             </p:nvSpPr>
             <p:spPr>
               <a:xfrm>
-                <a:off x="-811657" y="1496517"/>
+                <a:off x="-497758" y="1564756"/>
                 <a:ext cx="448063" cy="371505"/>
               </a:xfrm>
               <a:prstGeom prst="rect">
@@ -5370,7 +5406,7 @@
             </p:nvSpPr>
             <p:spPr>
               <a:xfrm>
-                <a:off x="1394971" y="1403047"/>
+                <a:off x="1708870" y="1471286"/>
                 <a:ext cx="448063" cy="371505"/>
               </a:xfrm>
               <a:prstGeom prst="rect">
@@ -5406,7 +5442,7 @@
             </p:nvSpPr>
             <p:spPr>
               <a:xfrm>
-                <a:off x="1407094" y="4573193"/>
+                <a:off x="1720993" y="4641432"/>
                 <a:ext cx="448063" cy="371505"/>
               </a:xfrm>
               <a:prstGeom prst="rect">
@@ -5442,7 +5478,7 @@
             </p:nvSpPr>
             <p:spPr>
               <a:xfrm>
-                <a:off x="3531584" y="1615310"/>
+                <a:off x="3845483" y="1683549"/>
                 <a:ext cx="448063" cy="371505"/>
               </a:xfrm>
               <a:prstGeom prst="rect">
@@ -5478,7 +5514,7 @@
             </p:nvSpPr>
             <p:spPr>
               <a:xfrm>
-                <a:off x="3555830" y="4325904"/>
+                <a:off x="3869729" y="4394143"/>
                 <a:ext cx="448063" cy="371505"/>
               </a:xfrm>
               <a:prstGeom prst="rect">
@@ -5514,7 +5550,7 @@
             </p:nvSpPr>
             <p:spPr>
               <a:xfrm>
-                <a:off x="5935145" y="1616731"/>
+                <a:off x="6249044" y="1684970"/>
                 <a:ext cx="448063" cy="371505"/>
               </a:xfrm>
               <a:prstGeom prst="rect">
@@ -5550,7 +5586,7 @@
             </p:nvSpPr>
             <p:spPr>
               <a:xfrm>
-                <a:off x="5881017" y="4292020"/>
+                <a:off x="6194916" y="4360259"/>
                 <a:ext cx="556320" cy="369332"/>
               </a:xfrm>
               <a:prstGeom prst="rect">
@@ -5586,7 +5622,7 @@
             </p:nvSpPr>
             <p:spPr>
               <a:xfrm>
-                <a:off x="9883080" y="3069434"/>
+                <a:off x="10196979" y="3137673"/>
                 <a:ext cx="599801" cy="369332"/>
               </a:xfrm>
               <a:prstGeom prst="rect">
@@ -5610,42 +5646,6 @@
           </p:sp>
           <p:sp>
             <p:nvSpPr>
-              <p:cNvPr id="64" name="TextBox 31">
-                <a:extLst>
-                  <a:ext uri="{FF2B5EF4-FFF2-40B4-BE49-F238E27FC236}">
-                    <a16:creationId xmlns:a16="http://schemas.microsoft.com/office/drawing/2014/main" id="{7CE9CFB4-9784-493B-B276-8C32EC8F72D4}"/>
-                  </a:ext>
-                </a:extLst>
-              </p:cNvPr>
-              <p:cNvSpPr txBox="1"/>
-              <p:nvPr/>
-            </p:nvSpPr>
-            <p:spPr>
-              <a:xfrm>
-                <a:off x="11978978" y="1598709"/>
-                <a:ext cx="599801" cy="369332"/>
-              </a:xfrm>
-              <a:prstGeom prst="rect">
-                <a:avLst/>
-              </a:prstGeom>
-              <a:noFill/>
-            </p:spPr>
-            <p:txBody>
-              <a:bodyPr wrap="square" rtlCol="0">
-                <a:spAutoFit/>
-              </a:bodyPr>
-              <a:lstStyle/>
-              <a:p>
-                <a:pPr algn="ctr"/>
-                <a:r>
-                  <a:rPr lang="pt-PT" b="1" dirty="0"/>
-                  <a:t>B15</a:t>
-                </a:r>
-              </a:p>
-            </p:txBody>
-          </p:sp>
-          <p:sp>
-            <p:nvSpPr>
               <p:cNvPr id="66" name="Rectangle 7">
                 <a:extLst>
                   <a:ext uri="{FF2B5EF4-FFF2-40B4-BE49-F238E27FC236}">
@@ -5658,7 +5658,7 @@
             </p:nvSpPr>
             <p:spPr>
               <a:xfrm>
-                <a:off x="5611557" y="2024597"/>
+                <a:off x="5925456" y="2092836"/>
                 <a:ext cx="1097344" cy="785612"/>
               </a:xfrm>
               <a:prstGeom prst="rect">
@@ -5722,7 +5722,7 @@
             </p:nvSpPr>
             <p:spPr>
               <a:xfrm>
-                <a:off x="5610505" y="3504299"/>
+                <a:off x="5924404" y="3572538"/>
                 <a:ext cx="1097344" cy="785612"/>
               </a:xfrm>
               <a:prstGeom prst="rect">
@@ -5786,7 +5786,7 @@
             </p:nvSpPr>
             <p:spPr>
               <a:xfrm>
-                <a:off x="3199157" y="772132"/>
+                <a:off x="5920849" y="865100"/>
                 <a:ext cx="1097344" cy="785612"/>
               </a:xfrm>
               <a:prstGeom prst="rect">
@@ -5853,7 +5853,7 @@
             </p:nvSpPr>
             <p:spPr>
               <a:xfrm>
-                <a:off x="3176524" y="4761085"/>
+                <a:off x="5934678" y="4760495"/>
                 <a:ext cx="1097344" cy="785612"/>
               </a:xfrm>
               <a:prstGeom prst="rect">
@@ -5920,7 +5920,7 @@
             </p:nvSpPr>
             <p:spPr>
               <a:xfrm>
-                <a:off x="3501164" y="400627"/>
+                <a:off x="6245489" y="491486"/>
                 <a:ext cx="448063" cy="371505"/>
               </a:xfrm>
               <a:prstGeom prst="rect">
@@ -5956,7 +5956,7 @@
             </p:nvSpPr>
             <p:spPr>
               <a:xfrm>
-                <a:off x="3523797" y="5583018"/>
+                <a:off x="6259318" y="5546107"/>
                 <a:ext cx="448063" cy="371505"/>
               </a:xfrm>
               <a:prstGeom prst="rect">
@@ -5995,7 +5995,7 @@
             </p:nvCxnSpPr>
             <p:spPr>
               <a:xfrm>
-                <a:off x="4304288" y="2417403"/>
+                <a:off x="4618187" y="2485642"/>
                 <a:ext cx="1307269" cy="0"/>
               </a:xfrm>
               <a:prstGeom prst="line">
@@ -6039,98 +6039,10 @@
             </p:nvCxnSpPr>
             <p:spPr>
               <a:xfrm>
-                <a:off x="4328534" y="3897105"/>
+                <a:off x="4642433" y="3965344"/>
                 <a:ext cx="1281971" cy="0"/>
               </a:xfrm>
               <a:prstGeom prst="line">
-                <a:avLst/>
-              </a:prstGeom>
-              <a:ln w="19050">
-                <a:solidFill>
-                  <a:schemeClr val="tx1"/>
-                </a:solidFill>
-              </a:ln>
-            </p:spPr>
-            <p:style>
-              <a:lnRef idx="1">
-                <a:schemeClr val="accent1"/>
-              </a:lnRef>
-              <a:fillRef idx="0">
-                <a:schemeClr val="accent1"/>
-              </a:fillRef>
-              <a:effectRef idx="0">
-                <a:schemeClr val="accent1"/>
-              </a:effectRef>
-              <a:fontRef idx="minor">
-                <a:schemeClr val="tx1"/>
-              </a:fontRef>
-            </p:style>
-          </p:cxnSp>
-          <p:cxnSp>
-            <p:nvCxnSpPr>
-              <p:cNvPr id="79" name="Conexão: Ângulo Reto 78">
-                <a:extLst>
-                  <a:ext uri="{FF2B5EF4-FFF2-40B4-BE49-F238E27FC236}">
-                    <a16:creationId xmlns:a16="http://schemas.microsoft.com/office/drawing/2014/main" id="{E1670D71-3743-4A82-896B-FD5C8E0D15CF}"/>
-                  </a:ext>
-                </a:extLst>
-              </p:cNvPr>
-              <p:cNvCxnSpPr>
-                <a:cxnSpLocks/>
-                <a:stCxn id="68" idx="3"/>
-              </p:cNvCxnSpPr>
-              <p:nvPr/>
-            </p:nvCxnSpPr>
-            <p:spPr>
-              <a:xfrm>
-                <a:off x="4296501" y="1164938"/>
-                <a:ext cx="1314004" cy="1037035"/>
-              </a:xfrm>
-              <a:prstGeom prst="bentConnector3">
-                <a:avLst/>
-              </a:prstGeom>
-              <a:ln w="19050">
-                <a:solidFill>
-                  <a:schemeClr val="tx1"/>
-                </a:solidFill>
-              </a:ln>
-            </p:spPr>
-            <p:style>
-              <a:lnRef idx="1">
-                <a:schemeClr val="accent1"/>
-              </a:lnRef>
-              <a:fillRef idx="0">
-                <a:schemeClr val="accent1"/>
-              </a:fillRef>
-              <a:effectRef idx="0">
-                <a:schemeClr val="accent1"/>
-              </a:effectRef>
-              <a:fontRef idx="minor">
-                <a:schemeClr val="tx1"/>
-              </a:fontRef>
-            </p:style>
-          </p:cxnSp>
-          <p:cxnSp>
-            <p:nvCxnSpPr>
-              <p:cNvPr id="81" name="Conexão: Ângulo Reto 80">
-                <a:extLst>
-                  <a:ext uri="{FF2B5EF4-FFF2-40B4-BE49-F238E27FC236}">
-                    <a16:creationId xmlns:a16="http://schemas.microsoft.com/office/drawing/2014/main" id="{7F4B27A6-132C-4B8E-AA23-50077011F8B7}"/>
-                  </a:ext>
-                </a:extLst>
-              </p:cNvPr>
-              <p:cNvCxnSpPr>
-                <a:cxnSpLocks/>
-                <a:stCxn id="69" idx="3"/>
-              </p:cNvCxnSpPr>
-              <p:nvPr/>
-            </p:nvCxnSpPr>
-            <p:spPr>
-              <a:xfrm flipV="1">
-                <a:off x="4273868" y="4081770"/>
-                <a:ext cx="1336637" cy="1072121"/>
-              </a:xfrm>
-              <a:prstGeom prst="bentConnector3">
                 <a:avLst/>
               </a:prstGeom>
               <a:ln w="19050">
@@ -6168,7 +6080,7 @@
             </p:nvSpPr>
             <p:spPr>
               <a:xfrm>
-                <a:off x="4271930" y="795254"/>
+                <a:off x="4817749" y="1641682"/>
                 <a:ext cx="931338" cy="369332"/>
               </a:xfrm>
               <a:prstGeom prst="rect">
@@ -6204,7 +6116,7 @@
             </p:nvSpPr>
             <p:spPr>
               <a:xfrm>
-                <a:off x="4271930" y="5177364"/>
+                <a:off x="4802418" y="4334675"/>
                 <a:ext cx="931338" cy="369332"/>
               </a:xfrm>
               <a:prstGeom prst="rect">
@@ -6243,7 +6155,7 @@
             </p:nvCxnSpPr>
             <p:spPr>
               <a:xfrm>
-                <a:off x="6708901" y="2417403"/>
+                <a:off x="7022800" y="2485642"/>
                 <a:ext cx="922123" cy="0"/>
               </a:xfrm>
               <a:prstGeom prst="line">
@@ -6287,7 +6199,7 @@
             </p:nvCxnSpPr>
             <p:spPr>
               <a:xfrm flipV="1">
-                <a:off x="6707849" y="3897104"/>
+                <a:off x="7021748" y="3965343"/>
                 <a:ext cx="961441" cy="1"/>
               </a:xfrm>
               <a:prstGeom prst="line">
@@ -6328,7 +6240,7 @@
             </p:nvSpPr>
             <p:spPr>
               <a:xfrm>
-                <a:off x="6722177" y="3522463"/>
+                <a:off x="7036076" y="3590702"/>
                 <a:ext cx="931338" cy="369332"/>
               </a:xfrm>
               <a:prstGeom prst="rect">
@@ -6364,7 +6276,7 @@
             </p:nvSpPr>
             <p:spPr>
               <a:xfrm>
-                <a:off x="6704294" y="2049437"/>
+                <a:off x="7018193" y="2117676"/>
                 <a:ext cx="931338" cy="369332"/>
               </a:xfrm>
               <a:prstGeom prst="rect">
@@ -6400,7 +6312,7 @@
             </p:nvSpPr>
             <p:spPr>
               <a:xfrm>
-                <a:off x="9866871" y="4325904"/>
+                <a:off x="10180770" y="4394143"/>
                 <a:ext cx="591693" cy="369332"/>
               </a:xfrm>
               <a:prstGeom prst="rect">
@@ -6436,7 +6348,7 @@
             </p:nvSpPr>
             <p:spPr>
               <a:xfrm>
-                <a:off x="7882174" y="4325904"/>
+                <a:off x="8196073" y="4394143"/>
                 <a:ext cx="591693" cy="369332"/>
               </a:xfrm>
               <a:prstGeom prst="rect">
@@ -6472,7 +6384,7 @@
             </p:nvSpPr>
             <p:spPr>
               <a:xfrm>
-                <a:off x="9866872" y="1622499"/>
+                <a:off x="10180771" y="1690738"/>
                 <a:ext cx="591693" cy="369332"/>
               </a:xfrm>
               <a:prstGeom prst="rect">
@@ -6508,7 +6420,7 @@
             </p:nvSpPr>
             <p:spPr>
               <a:xfrm>
-                <a:off x="8036249" y="1758109"/>
+                <a:off x="8199272" y="1729994"/>
                 <a:ext cx="591693" cy="369332"/>
               </a:xfrm>
               <a:prstGeom prst="rect">
@@ -6530,6 +6442,99 @@
               </a:p>
             </p:txBody>
           </p:sp>
+          <p:cxnSp>
+            <p:nvCxnSpPr>
+              <p:cNvPr id="24" name="Conexão: Ângulo Reto 23">
+                <a:extLst>
+                  <a:ext uri="{FF2B5EF4-FFF2-40B4-BE49-F238E27FC236}">
+                    <a16:creationId xmlns:a16="http://schemas.microsoft.com/office/drawing/2014/main" id="{15B5D90E-7FB8-47AA-B0C1-5D95D9519BE5}"/>
+                  </a:ext>
+                </a:extLst>
+              </p:cNvPr>
+              <p:cNvCxnSpPr>
+                <a:cxnSpLocks/>
+                <a:stCxn id="68" idx="1"/>
+                <a:endCxn id="66" idx="1"/>
+              </p:cNvCxnSpPr>
+              <p:nvPr/>
+            </p:nvCxnSpPr>
+            <p:spPr>
+              <a:xfrm rot="10800000" flipH="1" flipV="1">
+                <a:off x="5920848" y="1257906"/>
+                <a:ext cx="4607" cy="1227736"/>
+              </a:xfrm>
+              <a:prstGeom prst="bentConnector3">
+                <a:avLst>
+                  <a:gd name="adj1" fmla="val -4962014"/>
+                </a:avLst>
+              </a:prstGeom>
+              <a:ln w="19050">
+                <a:solidFill>
+                  <a:schemeClr val="tx1"/>
+                </a:solidFill>
+              </a:ln>
+            </p:spPr>
+            <p:style>
+              <a:lnRef idx="1">
+                <a:schemeClr val="accent1"/>
+              </a:lnRef>
+              <a:fillRef idx="0">
+                <a:schemeClr val="accent1"/>
+              </a:fillRef>
+              <a:effectRef idx="0">
+                <a:schemeClr val="accent1"/>
+              </a:effectRef>
+              <a:fontRef idx="minor">
+                <a:schemeClr val="tx1"/>
+              </a:fontRef>
+            </p:style>
+          </p:cxnSp>
+          <p:cxnSp>
+            <p:nvCxnSpPr>
+              <p:cNvPr id="32" name="Conexão: Ângulo Reto 31">
+                <a:extLst>
+                  <a:ext uri="{FF2B5EF4-FFF2-40B4-BE49-F238E27FC236}">
+                    <a16:creationId xmlns:a16="http://schemas.microsoft.com/office/drawing/2014/main" id="{9055805D-56BA-4A66-B44C-F9EC08648A04}"/>
+                  </a:ext>
+                </a:extLst>
+              </p:cNvPr>
+              <p:cNvCxnSpPr>
+                <a:stCxn id="69" idx="1"/>
+                <a:endCxn id="67" idx="1"/>
+              </p:cNvCxnSpPr>
+              <p:nvPr/>
+            </p:nvCxnSpPr>
+            <p:spPr>
+              <a:xfrm rot="10800000">
+                <a:off x="5924404" y="3965345"/>
+                <a:ext cx="10274" cy="1187957"/>
+              </a:xfrm>
+              <a:prstGeom prst="bentConnector3">
+                <a:avLst>
+                  <a:gd name="adj1" fmla="val 2325034"/>
+                </a:avLst>
+              </a:prstGeom>
+              <a:ln w="19050">
+                <a:solidFill>
+                  <a:schemeClr val="tx1"/>
+                </a:solidFill>
+              </a:ln>
+            </p:spPr>
+            <p:style>
+              <a:lnRef idx="1">
+                <a:schemeClr val="accent1"/>
+              </a:lnRef>
+              <a:fillRef idx="0">
+                <a:schemeClr val="accent1"/>
+              </a:fillRef>
+              <a:effectRef idx="0">
+                <a:schemeClr val="accent1"/>
+              </a:effectRef>
+              <a:fontRef idx="minor">
+                <a:schemeClr val="tx1"/>
+              </a:fontRef>
+            </p:style>
+          </p:cxnSp>
         </p:grpSp>
       </p:grpSp>
     </p:spTree>
